--- a/Сдать/Презентация.pptx
+++ b/Сдать/Презентация.pptx
@@ -13705,13 +13705,7 @@
               <a:rPr lang="ru-RU" dirty="0" smtClean="0">
                 <a:latin typeface="Areal"/>
               </a:rPr>
-              <a:t>1</a:t>
-            </a:r>
-            <a:r>
-              <a:rPr lang="ru-RU" dirty="0" smtClean="0">
-                <a:latin typeface="Areal"/>
-              </a:rPr>
-              <a:t>) Повторяемость </a:t>
+              <a:t>1) Повторяемость </a:t>
             </a:r>
             <a:r>
               <a:rPr lang="ru-RU" dirty="0">

--- a/Сдать/Презентация.pptx
+++ b/Сдать/Презентация.pptx
@@ -12942,6 +12942,55 @@
           </a:bodyPr>
           <a:lstStyle/>
           <a:p>
+            <a:pPr algn="just"/>
+            <a:r>
+              <a:rPr lang="ru-RU" b="1" dirty="0" smtClean="0"/>
+              <a:t>	</a:t>
+            </a:r>
+            <a:r>
+              <a:rPr lang="ru-RU" b="1" dirty="0" smtClean="0">
+                <a:latin typeface="Areal"/>
+              </a:rPr>
+              <a:t>Целью </a:t>
+            </a:r>
+            <a:r>
+              <a:rPr lang="ru-RU" b="1" dirty="0">
+                <a:latin typeface="Areal"/>
+              </a:rPr>
+              <a:t>данной диссертации является</a:t>
+            </a:r>
+            <a:r>
+              <a:rPr lang="ru-RU" dirty="0">
+                <a:latin typeface="Areal"/>
+              </a:rPr>
+              <a:t> создание программного продукта по автоматизированному тестированию, способного за приемлемое время производить анализ качества и функционала тестируемого программного продукта </a:t>
+            </a:r>
+            <a:r>
+              <a:rPr lang="en-US" dirty="0">
+                <a:latin typeface="Areal"/>
+              </a:rPr>
+              <a:t>Alpha</a:t>
+            </a:r>
+            <a:r>
+              <a:rPr lang="ru-RU" dirty="0">
+                <a:latin typeface="Areal"/>
+              </a:rPr>
+              <a:t>.</a:t>
+            </a:r>
+            <a:r>
+              <a:rPr lang="en-US" dirty="0">
+                <a:latin typeface="Areal"/>
+              </a:rPr>
+              <a:t>Alarm</a:t>
+            </a:r>
+            <a:r>
+              <a:rPr lang="ru-RU" dirty="0">
+                <a:latin typeface="Areal"/>
+              </a:rPr>
+              <a:t>s.</a:t>
+            </a:r>
+          </a:p>
+          <a:p>
             <a:pPr indent="450215" algn="just">
               <a:spcAft>
                 <a:spcPts val="0"/>
@@ -12952,63 +13001,14 @@
                 <a:latin typeface="Areal"/>
                 <a:ea typeface="Times New Roman" panose="02020603050405020304" pitchFamily="18" charset="0"/>
               </a:rPr>
-              <a:t>Цель:</a:t>
-            </a:r>
-            <a:r>
-              <a:rPr lang="ru-RU" dirty="0" smtClean="0">
-                <a:latin typeface="Areal"/>
-                <a:ea typeface="Times New Roman" panose="02020603050405020304" pitchFamily="18" charset="0"/>
-              </a:rPr>
-              <a:t> </a:t>
-            </a:r>
-            <a:r>
-              <a:rPr lang="ru-RU" dirty="0">
-                <a:latin typeface="Areal"/>
-                <a:ea typeface="Times New Roman" panose="02020603050405020304" pitchFamily="18" charset="0"/>
-              </a:rPr>
-              <a:t>создание программного продукта по автоматизированному тестированию, способного за приемлемое время производить анализ качества, функций, задач тестируемого программного продукта </a:t>
-            </a:r>
-            <a:r>
-              <a:rPr lang="en-US" dirty="0">
-                <a:latin typeface="Areal"/>
-                <a:ea typeface="Times New Roman" panose="02020603050405020304" pitchFamily="18" charset="0"/>
-              </a:rPr>
-              <a:t>Alpha</a:t>
-            </a:r>
-            <a:r>
-              <a:rPr lang="ru-RU" dirty="0">
-                <a:latin typeface="Areal"/>
-                <a:ea typeface="Times New Roman" panose="02020603050405020304" pitchFamily="18" charset="0"/>
-              </a:rPr>
-              <a:t>.</a:t>
-            </a:r>
-            <a:r>
-              <a:rPr lang="en-US" dirty="0">
-                <a:latin typeface="Areal"/>
-                <a:ea typeface="Times New Roman" panose="02020603050405020304" pitchFamily="18" charset="0"/>
-              </a:rPr>
-              <a:t>Alarm</a:t>
-            </a:r>
-            <a:r>
-              <a:rPr lang="ru-RU" dirty="0">
-                <a:latin typeface="Areal"/>
-                <a:ea typeface="Times New Roman" panose="02020603050405020304" pitchFamily="18" charset="0"/>
-              </a:rPr>
-              <a:t>s компании АО «Атомик Софт».</a:t>
-            </a:r>
-          </a:p>
-          <a:p>
-            <a:pPr indent="450215" algn="just">
-              <a:spcAft>
-                <a:spcPts val="0"/>
-              </a:spcAft>
-            </a:pPr>
+              <a:t>Реализация </a:t>
+            </a:r>
             <a:r>
               <a:rPr lang="ru-RU" b="1" dirty="0">
                 <a:latin typeface="Areal"/>
                 <a:ea typeface="Times New Roman" panose="02020603050405020304" pitchFamily="18" charset="0"/>
               </a:rPr>
-              <a:t>Реализация данной цели требует </a:t>
+              <a:t>данной цели требует </a:t>
             </a:r>
             <a:r>
               <a:rPr lang="ru-RU" b="1" dirty="0" smtClean="0">
@@ -13688,7 +13688,7 @@
         <p:spPr>
           <a:xfrm>
             <a:off x="1796903" y="2190305"/>
-            <a:ext cx="9271591" cy="3970318"/>
+            <a:ext cx="9271591" cy="3139321"/>
           </a:xfrm>
           <a:prstGeom prst="rect">
             <a:avLst/>
@@ -13700,19 +13700,24 @@
           </a:bodyPr>
           <a:lstStyle/>
           <a:p>
-            <a:pPr algn="just"/>
+            <a:pPr marL="342900" indent="-342900" algn="just">
+              <a:buAutoNum type="arabicParenR"/>
+            </a:pPr>
             <a:r>
               <a:rPr lang="ru-RU" dirty="0" smtClean="0">
                 <a:latin typeface="Areal"/>
               </a:rPr>
-              <a:t>1) Повторяемость </a:t>
+              <a:t>Повторяемость </a:t>
             </a:r>
             <a:r>
               <a:rPr lang="ru-RU" dirty="0">
                 <a:latin typeface="Areal"/>
               </a:rPr>
-              <a:t>– все написанные тесты всегда будут выполняться однообразно, то есть исключен «человеческий фактор». Тестировщик не пропустит тест по неосторожности и ничего не напутает в результатах.</a:t>
-            </a:r>
+              <a:t>– все написанные тесты всегда будут выполняться однообразно, то есть исключен «человеческий фактор». </a:t>
+            </a:r>
+            <a:endParaRPr lang="ru-RU" dirty="0" smtClean="0">
+              <a:latin typeface="Areal"/>
+            </a:endParaRPr>
           </a:p>
           <a:p>
             <a:pPr algn="just"/>
@@ -13720,7 +13725,13 @@
               <a:rPr lang="ru-RU" dirty="0" smtClean="0">
                 <a:latin typeface="Areal"/>
               </a:rPr>
-              <a:t>2) Быстрое </a:t>
+              <a:t>2</a:t>
+            </a:r>
+            <a:r>
+              <a:rPr lang="ru-RU" dirty="0" smtClean="0">
+                <a:latin typeface="Areal"/>
+              </a:rPr>
+              <a:t>) Быстрое </a:t>
             </a:r>
             <a:r>
               <a:rPr lang="ru-RU" dirty="0">
@@ -13783,7 +13794,13 @@
               <a:rPr lang="ru-RU" dirty="0">
                 <a:latin typeface="Areal"/>
               </a:rPr>
-              <a:t>без вмешательства – во время выполнения тестов инженер-тестировщик может заниматься другими полезными делами, или тесты могут выполняться в нерабочее время (этот метод предпочтительнее, так как нагрузка на локальные сети ночью снижена).</a:t>
+              <a:t>без вмешательства – во время выполнения тестов инженер-тестировщик может заниматься другими полезными </a:t>
+            </a:r>
+            <a:r>
+              <a:rPr lang="ru-RU" dirty="0" smtClean="0">
+                <a:latin typeface="Areal"/>
+              </a:rPr>
+              <a:t>делами, что очень удобно.</a:t>
             </a:r>
             <a:endParaRPr lang="ru-RU" b="0" i="0" dirty="0">
               <a:effectLst/>

--- a/Сдать/Презентация.pptx
+++ b/Сдать/Презентация.pptx
@@ -235,7 +235,7 @@
           <a:p>
             <a:fld id="{68534EB5-739C-4925-AEE7-24B2B6CC23A7}" type="datetimeFigureOut">
               <a:rPr lang="ru-RU" smtClean="0"/>
-              <a:t>20.06.2018</a:t>
+              <a:t>24.06.2018</a:t>
             </a:fld>
             <a:endParaRPr lang="ru-RU"/>
           </a:p>
@@ -775,7 +775,7 @@
           <a:p>
             <a:fld id="{950BD6EE-5961-4C33-9843-C74A1C74E3BD}" type="datetime1">
               <a:rPr lang="ru-RU" smtClean="0"/>
-              <a:t>20.06.2018</a:t>
+              <a:t>24.06.2018</a:t>
             </a:fld>
             <a:endParaRPr lang="ru-RU"/>
           </a:p>
@@ -1114,7 +1114,7 @@
           <a:p>
             <a:fld id="{CB535AAF-F428-4F06-9184-38885AEC57FE}" type="datetime1">
               <a:rPr lang="ru-RU" smtClean="0"/>
-              <a:t>20.06.2018</a:t>
+              <a:t>24.06.2018</a:t>
             </a:fld>
             <a:endParaRPr lang="ru-RU"/>
           </a:p>
@@ -1516,7 +1516,7 @@
           <a:p>
             <a:fld id="{CB535AAF-F428-4F06-9184-38885AEC57FE}" type="datetime1">
               <a:rPr lang="ru-RU" smtClean="0"/>
-              <a:t>20.06.2018</a:t>
+              <a:t>24.06.2018</a:t>
             </a:fld>
             <a:endParaRPr lang="ru-RU"/>
           </a:p>
@@ -1853,7 +1853,7 @@
           <a:p>
             <a:fld id="{CB535AAF-F428-4F06-9184-38885AEC57FE}" type="datetime1">
               <a:rPr lang="ru-RU" smtClean="0"/>
-              <a:t>20.06.2018</a:t>
+              <a:t>24.06.2018</a:t>
             </a:fld>
             <a:endParaRPr lang="ru-RU"/>
           </a:p>
@@ -2174,7 +2174,7 @@
           <a:p>
             <a:fld id="{CB535AAF-F428-4F06-9184-38885AEC57FE}" type="datetime1">
               <a:rPr lang="ru-RU" smtClean="0"/>
-              <a:t>20.06.2018</a:t>
+              <a:t>24.06.2018</a:t>
             </a:fld>
             <a:endParaRPr lang="ru-RU"/>
           </a:p>
@@ -2571,7 +2571,7 @@
           <a:p>
             <a:fld id="{CB535AAF-F428-4F06-9184-38885AEC57FE}" type="datetime1">
               <a:rPr lang="ru-RU" smtClean="0"/>
-              <a:t>20.06.2018</a:t>
+              <a:t>24.06.2018</a:t>
             </a:fld>
             <a:endParaRPr lang="ru-RU"/>
           </a:p>
@@ -2829,7 +2829,7 @@
           <a:p>
             <a:fld id="{482EA05E-4BA0-456A-8F8C-6BB29F5B5783}" type="datetime1">
               <a:rPr lang="ru-RU" smtClean="0"/>
-              <a:t>20.06.2018</a:t>
+              <a:t>24.06.2018</a:t>
             </a:fld>
             <a:endParaRPr lang="ru-RU"/>
           </a:p>
@@ -3091,7 +3091,7 @@
           <a:p>
             <a:fld id="{DD98E56F-08AA-4F34-9A24-BA3C31945B97}" type="datetime1">
               <a:rPr lang="ru-RU" smtClean="0"/>
-              <a:t>20.06.2018</a:t>
+              <a:t>24.06.2018</a:t>
             </a:fld>
             <a:endParaRPr lang="ru-RU"/>
           </a:p>
@@ -3353,7 +3353,7 @@
           <a:p>
             <a:fld id="{B3EF04C9-9EEA-4A79-8DD5-C366F0922F81}" type="datetime1">
               <a:rPr lang="ru-RU" smtClean="0"/>
-              <a:t>20.06.2018</a:t>
+              <a:t>24.06.2018</a:t>
             </a:fld>
             <a:endParaRPr lang="ru-RU"/>
           </a:p>
@@ -3683,7 +3683,7 @@
           <a:p>
             <a:fld id="{99382322-2CA7-4B7D-A5D2-9E9B2B939612}" type="datetime1">
               <a:rPr lang="ru-RU" smtClean="0"/>
-              <a:t>20.06.2018</a:t>
+              <a:t>24.06.2018</a:t>
             </a:fld>
             <a:endParaRPr lang="ru-RU"/>
           </a:p>
@@ -4006,7 +4006,7 @@
           <a:p>
             <a:fld id="{4E5416AA-A555-461B-BC6E-B989F8E431D0}" type="datetime1">
               <a:rPr lang="ru-RU" smtClean="0"/>
-              <a:t>20.06.2018</a:t>
+              <a:t>24.06.2018</a:t>
             </a:fld>
             <a:endParaRPr lang="ru-RU"/>
           </a:p>
@@ -4463,7 +4463,7 @@
           <a:p>
             <a:fld id="{12DB5391-B3F5-40A2-9814-DD245D72184A}" type="datetime1">
               <a:rPr lang="ru-RU" smtClean="0"/>
-              <a:t>20.06.2018</a:t>
+              <a:t>24.06.2018</a:t>
             </a:fld>
             <a:endParaRPr lang="ru-RU"/>
           </a:p>
@@ -4668,7 +4668,7 @@
           <a:p>
             <a:fld id="{9B89105F-8924-472A-B4DA-5715BB3ED2B8}" type="datetime1">
               <a:rPr lang="ru-RU" smtClean="0"/>
-              <a:t>20.06.2018</a:t>
+              <a:t>24.06.2018</a:t>
             </a:fld>
             <a:endParaRPr lang="ru-RU"/>
           </a:p>
@@ -4845,7 +4845,7 @@
           <a:p>
             <a:fld id="{C6FF70E1-58B6-4E31-8251-AA99832F35F4}" type="datetime1">
               <a:rPr lang="ru-RU" smtClean="0"/>
-              <a:t>20.06.2018</a:t>
+              <a:t>24.06.2018</a:t>
             </a:fld>
             <a:endParaRPr lang="ru-RU"/>
           </a:p>
@@ -5178,7 +5178,7 @@
           <a:p>
             <a:fld id="{FC751579-A389-4EFF-88B6-1EB0DF6DE14C}" type="datetime1">
               <a:rPr lang="ru-RU" smtClean="0"/>
-              <a:t>20.06.2018</a:t>
+              <a:t>24.06.2018</a:t>
             </a:fld>
             <a:endParaRPr lang="ru-RU"/>
           </a:p>
@@ -5523,7 +5523,7 @@
           <a:p>
             <a:fld id="{BD0B26AD-9614-4F0E-895E-18BF6E375419}" type="datetime1">
               <a:rPr lang="ru-RU" smtClean="0"/>
-              <a:t>20.06.2018</a:t>
+              <a:t>24.06.2018</a:t>
             </a:fld>
             <a:endParaRPr lang="ru-RU"/>
           </a:p>
@@ -7640,7 +7640,7 @@
           <a:p>
             <a:fld id="{CB535AAF-F428-4F06-9184-38885AEC57FE}" type="datetime1">
               <a:rPr lang="ru-RU" smtClean="0"/>
-              <a:t>20.06.2018</a:t>
+              <a:t>24.06.2018</a:t>
             </a:fld>
             <a:endParaRPr lang="ru-RU"/>
           </a:p>
@@ -12342,7 +12342,7 @@
         <p:spPr>
           <a:xfrm>
             <a:off x="2314353" y="1318437"/>
-            <a:ext cx="8764772" cy="5539978"/>
+            <a:ext cx="8764772" cy="4801314"/>
           </a:xfrm>
           <a:prstGeom prst="rect">
             <a:avLst/>
@@ -12363,38 +12363,20 @@
               </a:spcAft>
             </a:pPr>
             <a:r>
-              <a:rPr lang="ru-RU" sz="1600" dirty="0">
-                <a:latin typeface="Areal"/>
-                <a:ea typeface="Calibri" panose="020F0502020204030204" pitchFamily="34" charset="0"/>
-                <a:cs typeface="Times New Roman" panose="02020603050405020304" pitchFamily="18" charset="0"/>
-              </a:rPr>
-              <a:t>В результате проделанной работы решены все поставленные задачи и тем самым достигнута цель данной работы</a:t>
-            </a:r>
-            <a:r>
               <a:rPr lang="ru-RU" sz="1600" dirty="0" smtClean="0">
                 <a:latin typeface="Areal"/>
                 <a:ea typeface="Calibri" panose="020F0502020204030204" pitchFamily="34" charset="0"/>
                 <a:cs typeface="Times New Roman" panose="02020603050405020304" pitchFamily="18" charset="0"/>
               </a:rPr>
-              <a:t>.</a:t>
-            </a:r>
-          </a:p>
-          <a:p>
-            <a:pPr indent="449580" algn="just">
-              <a:lnSpc>
-                <a:spcPct val="150000"/>
-              </a:lnSpc>
-              <a:spcAft>
-                <a:spcPts val="0"/>
-              </a:spcAft>
-            </a:pPr>
+              <a:t>Результатом </a:t>
+            </a:r>
             <a:r>
               <a:rPr lang="ru-RU" sz="1600" dirty="0" smtClean="0">
                 <a:latin typeface="Areal"/>
                 <a:ea typeface="Calibri" panose="020F0502020204030204" pitchFamily="34" charset="0"/>
                 <a:cs typeface="Times New Roman" panose="02020603050405020304" pitchFamily="18" charset="0"/>
               </a:rPr>
-              <a:t>Результатом проведенного исследования является разработанное приложение, выполняющее автоматизированное тестирование программного продукта </a:t>
+              <a:t>проведенного исследования является разработанное приложение, выполняющее автоматизированное тестирование программного продукта </a:t>
             </a:r>
             <a:r>
               <a:rPr lang="en-US" sz="1600" dirty="0" smtClean="0">
@@ -13725,13 +13707,7 @@
               <a:rPr lang="ru-RU" dirty="0" smtClean="0">
                 <a:latin typeface="Areal"/>
               </a:rPr>
-              <a:t>2</a:t>
-            </a:r>
-            <a:r>
-              <a:rPr lang="ru-RU" dirty="0" smtClean="0">
-                <a:latin typeface="Areal"/>
-              </a:rPr>
-              <a:t>) Быстрое </a:t>
+              <a:t>2) Быстрое </a:t>
             </a:r>
             <a:r>
               <a:rPr lang="ru-RU" dirty="0">
